--- a/doc/PraesentationWebEng.pptx
+++ b/doc/PraesentationWebEng.pptx
@@ -4371,8 +4371,8 @@
         </p:nvSpPr>
         <p:spPr>
           <a:xfrm rot="0">
-            <a:off x="3530888" y="3058474"/>
-            <a:ext cx="13300630" cy="5464163"/>
+            <a:off x="3588016" y="1032986"/>
+            <a:ext cx="12939431" cy="8796814"/>
           </a:xfrm>
           <a:prstGeom prst="rect">
             <a:avLst/>
@@ -4384,15 +4384,22 @@
           </a:bodyPr>
           <a:lstStyle/>
           <a:p>
-            <a:pPr algn="l" marL="1079601" indent="-539800" lvl="1">
+            <a:pPr algn="l">
               <a:lnSpc>
-                <a:spcPts val="7000"/>
+                <a:spcPts val="6840"/>
+              </a:lnSpc>
+            </a:pPr>
+          </a:p>
+          <a:p>
+            <a:pPr algn="l" marL="1054920" indent="-527460" lvl="1">
+              <a:lnSpc>
+                <a:spcPts val="6840"/>
               </a:lnSpc>
               <a:buFont typeface="Arial"/>
               <a:buChar char="•"/>
             </a:pPr>
             <a:r>
-              <a:rPr lang="en-US" sz="5000" spc="-325">
+              <a:rPr lang="en-US" sz="4886" spc="-317">
                 <a:solidFill>
                   <a:srgbClr val="000000"/>
                 </a:solidFill>
@@ -4407,20 +4414,20 @@
           <a:p>
             <a:pPr algn="l">
               <a:lnSpc>
-                <a:spcPts val="7000"/>
+                <a:spcPts val="6840"/>
               </a:lnSpc>
             </a:pPr>
           </a:p>
           <a:p>
-            <a:pPr algn="l" marL="1122780" indent="-561390" lvl="1">
+            <a:pPr algn="l" marL="1097112" indent="-548556" lvl="1">
               <a:lnSpc>
-                <a:spcPts val="7280"/>
+                <a:spcPts val="7114"/>
               </a:lnSpc>
               <a:buFont typeface="Arial"/>
               <a:buChar char="•"/>
             </a:pPr>
             <a:r>
-              <a:rPr lang="en-US" sz="5200" spc="-338">
+              <a:rPr lang="en-US" sz="5081" spc="-330">
                 <a:solidFill>
                   <a:srgbClr val="000000"/>
                 </a:solidFill>
@@ -4435,20 +4442,20 @@
           <a:p>
             <a:pPr algn="l">
               <a:lnSpc>
-                <a:spcPts val="7280"/>
+                <a:spcPts val="7114"/>
               </a:lnSpc>
             </a:pPr>
           </a:p>
           <a:p>
-            <a:pPr algn="l" marL="1079601" indent="-539800" lvl="1">
+            <a:pPr algn="l" marL="1054920" indent="-527460" lvl="1">
               <a:lnSpc>
-                <a:spcPts val="7000"/>
+                <a:spcPts val="6840"/>
               </a:lnSpc>
               <a:buFont typeface="Arial"/>
               <a:buChar char="•"/>
             </a:pPr>
             <a:r>
-              <a:rPr lang="en-US" sz="5000" spc="-325">
+              <a:rPr lang="en-US" sz="4886" spc="-317">
                 <a:solidFill>
                   <a:srgbClr val="000000"/>
                 </a:solidFill>
@@ -4457,8 +4464,43 @@
                 <a:cs typeface="Futura"/>
                 <a:sym typeface="Futura"/>
               </a:rPr>
-              <a:t>Website from scratch mit Back-und Frontend Frameworks</a:t>
+              <a:t>Website from scratch mit Back- und Frontend Frameworks</a:t>
             </a:r>
+          </a:p>
+          <a:p>
+            <a:pPr algn="l">
+              <a:lnSpc>
+                <a:spcPts val="6840"/>
+              </a:lnSpc>
+            </a:pPr>
+          </a:p>
+          <a:p>
+            <a:pPr algn="l" marL="1054920" indent="-527460" lvl="1">
+              <a:lnSpc>
+                <a:spcPts val="6840"/>
+              </a:lnSpc>
+              <a:buFont typeface="Arial"/>
+              <a:buChar char="•"/>
+            </a:pPr>
+            <a:r>
+              <a:rPr lang="en-US" sz="4886" spc="-317">
+                <a:solidFill>
+                  <a:srgbClr val="000000"/>
+                </a:solidFill>
+                <a:latin typeface="Futura"/>
+                <a:ea typeface="Futura"/>
+                <a:cs typeface="Futura"/>
+                <a:sym typeface="Futura"/>
+              </a:rPr>
+              <a:t>Einheitliche Komponenten als Vorlage</a:t>
+            </a:r>
+          </a:p>
+          <a:p>
+            <a:pPr algn="l">
+              <a:lnSpc>
+                <a:spcPts val="6840"/>
+              </a:lnSpc>
+            </a:pPr>
           </a:p>
         </p:txBody>
       </p:sp>
@@ -7234,8 +7276,8 @@
         </p:nvSpPr>
         <p:spPr>
           <a:xfrm flipH="false" flipV="false" rot="0">
-            <a:off x="6152269" y="2919244"/>
-            <a:ext cx="11107031" cy="5706237"/>
+            <a:off x="8327638" y="2211510"/>
+            <a:ext cx="9264006" cy="7121705"/>
           </a:xfrm>
           <a:custGeom>
             <a:avLst/>
@@ -7244,18 +7286,18 @@
             <a:cxnLst/>
             <a:rect r="r" b="b" t="t" l="l"/>
             <a:pathLst>
-              <a:path h="5706237" w="11107031">
+              <a:path h="7121705" w="9264006">
                 <a:moveTo>
                   <a:pt x="0" y="0"/>
                 </a:moveTo>
                 <a:lnTo>
-                  <a:pt x="11107031" y="0"/>
-                </a:lnTo>
-                <a:lnTo>
-                  <a:pt x="11107031" y="5706237"/>
-                </a:lnTo>
-                <a:lnTo>
-                  <a:pt x="0" y="5706237"/>
+                  <a:pt x="9264007" y="0"/>
+                </a:lnTo>
+                <a:lnTo>
+                  <a:pt x="9264007" y="7121705"/>
+                </a:lnTo>
+                <a:lnTo>
+                  <a:pt x="0" y="7121705"/>
                 </a:lnTo>
                 <a:lnTo>
                   <a:pt x="0" y="0"/>
@@ -7381,8 +7423,8 @@
         </p:nvSpPr>
         <p:spPr>
           <a:xfrm rot="0">
-            <a:off x="7832809" y="8644531"/>
-            <a:ext cx="7745950" cy="437675"/>
+            <a:off x="12289975" y="7820985"/>
+            <a:ext cx="5467026" cy="302229"/>
           </a:xfrm>
           <a:prstGeom prst="rect">
             <a:avLst/>
@@ -7396,13 +7438,13 @@
           <a:p>
             <a:pPr algn="ctr">
               <a:lnSpc>
-                <a:spcPts val="3176"/>
+                <a:spcPts val="2241"/>
               </a:lnSpc>
             </a:pPr>
             <a:r>
-              <a:rPr lang="en-US" sz="2268" spc="-147">
+              <a:rPr lang="en-US" sz="1601" spc="-104">
                 <a:solidFill>
-                  <a:srgbClr val="000000"/>
+                  <a:srgbClr val="FEFFFE"/>
                 </a:solidFill>
                 <a:latin typeface="Futura"/>
                 <a:ea typeface="Futura"/>
@@ -8641,7 +8683,7 @@
                           <a:cs typeface="Futura"/>
                           <a:sym typeface="Futura"/>
                         </a:rPr>
-                        <a:t>Laszlo, (Jakob)</a:t>
+                        <a:t>László, (Jakob)</a:t>
                       </a:r>
                     </a:p>
                   </a:txBody>
@@ -8705,7 +8747,7 @@
                           <a:cs typeface="Futura"/>
                           <a:sym typeface="Futura"/>
                         </a:rPr>
-                        <a:t>Laszlo, Amon</a:t>
+                        <a:t>László, Amon</a:t>
                       </a:r>
                       <a:endParaRPr lang="en-US" sz="1100"/>
                     </a:p>
@@ -8835,7 +8877,7 @@
                           <a:cs typeface="Futura"/>
                           <a:sym typeface="Futura"/>
                         </a:rPr>
-                        <a:t>Laszlo</a:t>
+                        <a:t>László</a:t>
                       </a:r>
                       <a:endParaRPr lang="en-US" sz="1100"/>
                     </a:p>
